--- a/spatial-ai/proposal.pptx
+++ b/spatial-ai/proposal.pptx
@@ -4,13 +4,17 @@
   <p:sldMasterIdLst>
     <p:sldMasterId id="2147483648" r:id="rId1"/>
   </p:sldMasterIdLst>
+  <p:notesMasterIdLst>
+    <p:notesMasterId r:id="rId9"/>
+  </p:notesMasterIdLst>
   <p:sldIdLst>
     <p:sldId id="256" r:id="rId2"/>
-    <p:sldId id="257" r:id="rId3"/>
-    <p:sldId id="258" r:id="rId4"/>
-    <p:sldId id="259" r:id="rId5"/>
-    <p:sldId id="260" r:id="rId6"/>
-    <p:sldId id="261" r:id="rId7"/>
+    <p:sldId id="262" r:id="rId3"/>
+    <p:sldId id="257" r:id="rId4"/>
+    <p:sldId id="258" r:id="rId5"/>
+    <p:sldId id="259" r:id="rId6"/>
+    <p:sldId id="260" r:id="rId7"/>
+    <p:sldId id="261" r:id="rId8"/>
   </p:sldIdLst>
   <p:sldSz cx="12192000" cy="6858000"/>
   <p:notesSz cx="6858000" cy="9144000"/>
@@ -109,7 +113,445 @@
       </a:defRPr>
     </a:lvl9pPr>
   </p:defaultTextStyle>
+  <p:extLst>
+    <p:ext uri="{EFAFB233-063F-42B5-8137-9DF3F51BA10A}">
+      <p15:sldGuideLst xmlns:p15="http://schemas.microsoft.com/office/powerpoint/2012/main"/>
+    </p:ext>
+  </p:extLst>
 </p:presentation>
+</file>
+
+<file path=ppt/notesMasters/notesMaster1.xml><?xml version="1.0" encoding="utf-8"?>
+<p:notesMaster xmlns:a="http://schemas.openxmlformats.org/drawingml/2006/main" xmlns:r="http://schemas.openxmlformats.org/officeDocument/2006/relationships" xmlns:p="http://schemas.openxmlformats.org/presentationml/2006/main">
+  <p:cSld>
+    <p:bg>
+      <p:bgRef idx="1001">
+        <a:schemeClr val="bg1"/>
+      </p:bgRef>
+    </p:bg>
+    <p:spTree>
+      <p:nvGrpSpPr>
+        <p:cNvPr id="1" name=""/>
+        <p:cNvGrpSpPr/>
+        <p:nvPr/>
+      </p:nvGrpSpPr>
+      <p:grpSpPr>
+        <a:xfrm>
+          <a:off x="0" y="0"/>
+          <a:ext cx="0" cy="0"/>
+          <a:chOff x="0" y="0"/>
+          <a:chExt cx="0" cy="0"/>
+        </a:xfrm>
+      </p:grpSpPr>
+      <p:sp>
+        <p:nvSpPr>
+          <p:cNvPr id="2" name="Header Placeholder 1"/>
+          <p:cNvSpPr>
+            <a:spLocks noGrp="1"/>
+          </p:cNvSpPr>
+          <p:nvPr>
+            <p:ph type="hdr" sz="quarter"/>
+          </p:nvPr>
+        </p:nvSpPr>
+        <p:spPr>
+          <a:xfrm>
+            <a:off x="0" y="0"/>
+            <a:ext cx="2971800" cy="458788"/>
+          </a:xfrm>
+          <a:prstGeom prst="rect">
+            <a:avLst/>
+          </a:prstGeom>
+        </p:spPr>
+        <p:txBody>
+          <a:bodyPr vert="horz" lIns="91440" tIns="45720" rIns="91440" bIns="45720" rtlCol="0"/>
+          <a:lstStyle>
+            <a:lvl1pPr algn="l">
+              <a:defRPr sz="1200"/>
+            </a:lvl1pPr>
+          </a:lstStyle>
+          <a:p>
+            <a:endParaRPr lang="en-US"/>
+          </a:p>
+        </p:txBody>
+      </p:sp>
+      <p:sp>
+        <p:nvSpPr>
+          <p:cNvPr id="3" name="Date Placeholder 2"/>
+          <p:cNvSpPr>
+            <a:spLocks noGrp="1"/>
+          </p:cNvSpPr>
+          <p:nvPr>
+            <p:ph type="dt" idx="1"/>
+          </p:nvPr>
+        </p:nvSpPr>
+        <p:spPr>
+          <a:xfrm>
+            <a:off x="3884613" y="0"/>
+            <a:ext cx="2971800" cy="458788"/>
+          </a:xfrm>
+          <a:prstGeom prst="rect">
+            <a:avLst/>
+          </a:prstGeom>
+        </p:spPr>
+        <p:txBody>
+          <a:bodyPr vert="horz" lIns="91440" tIns="45720" rIns="91440" bIns="45720" rtlCol="0"/>
+          <a:lstStyle>
+            <a:lvl1pPr algn="r">
+              <a:defRPr sz="1200"/>
+            </a:lvl1pPr>
+          </a:lstStyle>
+          <a:p>
+            <a:fld id="{D972A891-44E9-2348-A2BE-9711484F9DD6}" type="datetimeFigureOut">
+              <a:rPr lang="en-US" smtClean="0"/>
+              <a:t>3/14/22</a:t>
+            </a:fld>
+            <a:endParaRPr lang="en-US"/>
+          </a:p>
+        </p:txBody>
+      </p:sp>
+      <p:sp>
+        <p:nvSpPr>
+          <p:cNvPr id="4" name="Slide Image Placeholder 3"/>
+          <p:cNvSpPr>
+            <a:spLocks noGrp="1" noRot="1" noChangeAspect="1"/>
+          </p:cNvSpPr>
+          <p:nvPr>
+            <p:ph type="sldImg" idx="2"/>
+          </p:nvPr>
+        </p:nvSpPr>
+        <p:spPr>
+          <a:xfrm>
+            <a:off x="685800" y="1143000"/>
+            <a:ext cx="5486400" cy="3086100"/>
+          </a:xfrm>
+          <a:prstGeom prst="rect">
+            <a:avLst/>
+          </a:prstGeom>
+          <a:noFill/>
+          <a:ln w="12700">
+            <a:solidFill>
+              <a:prstClr val="black"/>
+            </a:solidFill>
+          </a:ln>
+        </p:spPr>
+        <p:txBody>
+          <a:bodyPr vert="horz" lIns="91440" tIns="45720" rIns="91440" bIns="45720" rtlCol="0" anchor="ctr"/>
+          <a:lstStyle/>
+          <a:p>
+            <a:endParaRPr lang="en-US"/>
+          </a:p>
+        </p:txBody>
+      </p:sp>
+      <p:sp>
+        <p:nvSpPr>
+          <p:cNvPr id="5" name="Notes Placeholder 4"/>
+          <p:cNvSpPr>
+            <a:spLocks noGrp="1"/>
+          </p:cNvSpPr>
+          <p:nvPr>
+            <p:ph type="body" sz="quarter" idx="3"/>
+          </p:nvPr>
+        </p:nvSpPr>
+        <p:spPr>
+          <a:xfrm>
+            <a:off x="685800" y="4400550"/>
+            <a:ext cx="5486400" cy="3600450"/>
+          </a:xfrm>
+          <a:prstGeom prst="rect">
+            <a:avLst/>
+          </a:prstGeom>
+        </p:spPr>
+        <p:txBody>
+          <a:bodyPr vert="horz" lIns="91440" tIns="45720" rIns="91440" bIns="45720" rtlCol="0"/>
+          <a:lstStyle/>
+          <a:p>
+            <a:pPr lvl="0"/>
+            <a:r>
+              <a:rPr lang="en-US"/>
+              <a:t>Click to edit Master text styles</a:t>
+            </a:r>
+          </a:p>
+          <a:p>
+            <a:pPr lvl="1"/>
+            <a:r>
+              <a:rPr lang="en-US"/>
+              <a:t>Second level</a:t>
+            </a:r>
+          </a:p>
+          <a:p>
+            <a:pPr lvl="2"/>
+            <a:r>
+              <a:rPr lang="en-US"/>
+              <a:t>Third level</a:t>
+            </a:r>
+          </a:p>
+          <a:p>
+            <a:pPr lvl="3"/>
+            <a:r>
+              <a:rPr lang="en-US"/>
+              <a:t>Fourth level</a:t>
+            </a:r>
+          </a:p>
+          <a:p>
+            <a:pPr lvl="4"/>
+            <a:r>
+              <a:rPr lang="en-US"/>
+              <a:t>Fifth level</a:t>
+            </a:r>
+          </a:p>
+        </p:txBody>
+      </p:sp>
+      <p:sp>
+        <p:nvSpPr>
+          <p:cNvPr id="6" name="Footer Placeholder 5"/>
+          <p:cNvSpPr>
+            <a:spLocks noGrp="1"/>
+          </p:cNvSpPr>
+          <p:nvPr>
+            <p:ph type="ftr" sz="quarter" idx="4"/>
+          </p:nvPr>
+        </p:nvSpPr>
+        <p:spPr>
+          <a:xfrm>
+            <a:off x="0" y="8685213"/>
+            <a:ext cx="2971800" cy="458787"/>
+          </a:xfrm>
+          <a:prstGeom prst="rect">
+            <a:avLst/>
+          </a:prstGeom>
+        </p:spPr>
+        <p:txBody>
+          <a:bodyPr vert="horz" lIns="91440" tIns="45720" rIns="91440" bIns="45720" rtlCol="0" anchor="b"/>
+          <a:lstStyle>
+            <a:lvl1pPr algn="l">
+              <a:defRPr sz="1200"/>
+            </a:lvl1pPr>
+          </a:lstStyle>
+          <a:p>
+            <a:endParaRPr lang="en-US"/>
+          </a:p>
+        </p:txBody>
+      </p:sp>
+      <p:sp>
+        <p:nvSpPr>
+          <p:cNvPr id="7" name="Slide Number Placeholder 6"/>
+          <p:cNvSpPr>
+            <a:spLocks noGrp="1"/>
+          </p:cNvSpPr>
+          <p:nvPr>
+            <p:ph type="sldNum" sz="quarter" idx="5"/>
+          </p:nvPr>
+        </p:nvSpPr>
+        <p:spPr>
+          <a:xfrm>
+            <a:off x="3884613" y="8685213"/>
+            <a:ext cx="2971800" cy="458787"/>
+          </a:xfrm>
+          <a:prstGeom prst="rect">
+            <a:avLst/>
+          </a:prstGeom>
+        </p:spPr>
+        <p:txBody>
+          <a:bodyPr vert="horz" lIns="91440" tIns="45720" rIns="91440" bIns="45720" rtlCol="0" anchor="b"/>
+          <a:lstStyle>
+            <a:lvl1pPr algn="r">
+              <a:defRPr sz="1200"/>
+            </a:lvl1pPr>
+          </a:lstStyle>
+          <a:p>
+            <a:fld id="{3E382121-A271-6349-94AA-FC04077E572C}" type="slidenum">
+              <a:rPr lang="en-US" smtClean="0"/>
+              <a:t>‹#›</a:t>
+            </a:fld>
+            <a:endParaRPr lang="en-US"/>
+          </a:p>
+        </p:txBody>
+      </p:sp>
+    </p:spTree>
+    <p:extLst>
+      <p:ext uri="{BB962C8B-B14F-4D97-AF65-F5344CB8AC3E}">
+        <p14:creationId xmlns:p14="http://schemas.microsoft.com/office/powerpoint/2010/main" val="246395874"/>
+      </p:ext>
+    </p:extLst>
+  </p:cSld>
+  <p:clrMap bg1="lt1" tx1="dk1" bg2="lt2" tx2="dk2" accent1="accent1" accent2="accent2" accent3="accent3" accent4="accent4" accent5="accent5" accent6="accent6" hlink="hlink" folHlink="folHlink"/>
+  <p:notesStyle>
+    <a:lvl1pPr marL="0" algn="l" defTabSz="914400" rtl="0" eaLnBrk="1" latinLnBrk="0" hangingPunct="1">
+      <a:defRPr sz="1200" kern="1200">
+        <a:solidFill>
+          <a:schemeClr val="tx1"/>
+        </a:solidFill>
+        <a:latin typeface="+mn-lt"/>
+        <a:ea typeface="+mn-ea"/>
+        <a:cs typeface="+mn-cs"/>
+      </a:defRPr>
+    </a:lvl1pPr>
+    <a:lvl2pPr marL="457200" algn="l" defTabSz="914400" rtl="0" eaLnBrk="1" latinLnBrk="0" hangingPunct="1">
+      <a:defRPr sz="1200" kern="1200">
+        <a:solidFill>
+          <a:schemeClr val="tx1"/>
+        </a:solidFill>
+        <a:latin typeface="+mn-lt"/>
+        <a:ea typeface="+mn-ea"/>
+        <a:cs typeface="+mn-cs"/>
+      </a:defRPr>
+    </a:lvl2pPr>
+    <a:lvl3pPr marL="914400" algn="l" defTabSz="914400" rtl="0" eaLnBrk="1" latinLnBrk="0" hangingPunct="1">
+      <a:defRPr sz="1200" kern="1200">
+        <a:solidFill>
+          <a:schemeClr val="tx1"/>
+        </a:solidFill>
+        <a:latin typeface="+mn-lt"/>
+        <a:ea typeface="+mn-ea"/>
+        <a:cs typeface="+mn-cs"/>
+      </a:defRPr>
+    </a:lvl3pPr>
+    <a:lvl4pPr marL="1371600" algn="l" defTabSz="914400" rtl="0" eaLnBrk="1" latinLnBrk="0" hangingPunct="1">
+      <a:defRPr sz="1200" kern="1200">
+        <a:solidFill>
+          <a:schemeClr val="tx1"/>
+        </a:solidFill>
+        <a:latin typeface="+mn-lt"/>
+        <a:ea typeface="+mn-ea"/>
+        <a:cs typeface="+mn-cs"/>
+      </a:defRPr>
+    </a:lvl4pPr>
+    <a:lvl5pPr marL="1828800" algn="l" defTabSz="914400" rtl="0" eaLnBrk="1" latinLnBrk="0" hangingPunct="1">
+      <a:defRPr sz="1200" kern="1200">
+        <a:solidFill>
+          <a:schemeClr val="tx1"/>
+        </a:solidFill>
+        <a:latin typeface="+mn-lt"/>
+        <a:ea typeface="+mn-ea"/>
+        <a:cs typeface="+mn-cs"/>
+      </a:defRPr>
+    </a:lvl5pPr>
+    <a:lvl6pPr marL="2286000" algn="l" defTabSz="914400" rtl="0" eaLnBrk="1" latinLnBrk="0" hangingPunct="1">
+      <a:defRPr sz="1200" kern="1200">
+        <a:solidFill>
+          <a:schemeClr val="tx1"/>
+        </a:solidFill>
+        <a:latin typeface="+mn-lt"/>
+        <a:ea typeface="+mn-ea"/>
+        <a:cs typeface="+mn-cs"/>
+      </a:defRPr>
+    </a:lvl6pPr>
+    <a:lvl7pPr marL="2743200" algn="l" defTabSz="914400" rtl="0" eaLnBrk="1" latinLnBrk="0" hangingPunct="1">
+      <a:defRPr sz="1200" kern="1200">
+        <a:solidFill>
+          <a:schemeClr val="tx1"/>
+        </a:solidFill>
+        <a:latin typeface="+mn-lt"/>
+        <a:ea typeface="+mn-ea"/>
+        <a:cs typeface="+mn-cs"/>
+      </a:defRPr>
+    </a:lvl7pPr>
+    <a:lvl8pPr marL="3200400" algn="l" defTabSz="914400" rtl="0" eaLnBrk="1" latinLnBrk="0" hangingPunct="1">
+      <a:defRPr sz="1200" kern="1200">
+        <a:solidFill>
+          <a:schemeClr val="tx1"/>
+        </a:solidFill>
+        <a:latin typeface="+mn-lt"/>
+        <a:ea typeface="+mn-ea"/>
+        <a:cs typeface="+mn-cs"/>
+      </a:defRPr>
+    </a:lvl8pPr>
+    <a:lvl9pPr marL="3657600" algn="l" defTabSz="914400" rtl="0" eaLnBrk="1" latinLnBrk="0" hangingPunct="1">
+      <a:defRPr sz="1200" kern="1200">
+        <a:solidFill>
+          <a:schemeClr val="tx1"/>
+        </a:solidFill>
+        <a:latin typeface="+mn-lt"/>
+        <a:ea typeface="+mn-ea"/>
+        <a:cs typeface="+mn-cs"/>
+      </a:defRPr>
+    </a:lvl9pPr>
+  </p:notesStyle>
+</p:notesMaster>
+</file>
+
+<file path=ppt/notesSlides/notesSlide1.xml><?xml version="1.0" encoding="utf-8"?>
+<p:notes xmlns:a="http://schemas.openxmlformats.org/drawingml/2006/main" xmlns:r="http://schemas.openxmlformats.org/officeDocument/2006/relationships" xmlns:p="http://schemas.openxmlformats.org/presentationml/2006/main">
+  <p:cSld>
+    <p:spTree>
+      <p:nvGrpSpPr>
+        <p:cNvPr id="1" name=""/>
+        <p:cNvGrpSpPr/>
+        <p:nvPr/>
+      </p:nvGrpSpPr>
+      <p:grpSpPr>
+        <a:xfrm>
+          <a:off x="0" y="0"/>
+          <a:ext cx="0" cy="0"/>
+          <a:chOff x="0" y="0"/>
+          <a:chExt cx="0" cy="0"/>
+        </a:xfrm>
+      </p:grpSpPr>
+      <p:sp>
+        <p:nvSpPr>
+          <p:cNvPr id="2" name="Slide Image Placeholder 1"/>
+          <p:cNvSpPr>
+            <a:spLocks noGrp="1" noRot="1" noChangeAspect="1"/>
+          </p:cNvSpPr>
+          <p:nvPr>
+            <p:ph type="sldImg"/>
+          </p:nvPr>
+        </p:nvSpPr>
+        <p:spPr/>
+      </p:sp>
+      <p:sp>
+        <p:nvSpPr>
+          <p:cNvPr id="3" name="Notes Placeholder 2"/>
+          <p:cNvSpPr>
+            <a:spLocks noGrp="1"/>
+          </p:cNvSpPr>
+          <p:nvPr>
+            <p:ph type="body" idx="1"/>
+          </p:nvPr>
+        </p:nvSpPr>
+        <p:spPr/>
+        <p:txBody>
+          <a:bodyPr/>
+          <a:lstStyle/>
+          <a:p>
+            <a:endParaRPr lang="en-US" dirty="0"/>
+          </a:p>
+        </p:txBody>
+      </p:sp>
+      <p:sp>
+        <p:nvSpPr>
+          <p:cNvPr id="4" name="Slide Number Placeholder 3"/>
+          <p:cNvSpPr>
+            <a:spLocks noGrp="1"/>
+          </p:cNvSpPr>
+          <p:nvPr>
+            <p:ph type="sldNum" sz="quarter" idx="5"/>
+          </p:nvPr>
+        </p:nvSpPr>
+        <p:spPr/>
+        <p:txBody>
+          <a:bodyPr/>
+          <a:lstStyle/>
+          <a:p>
+            <a:fld id="{3E382121-A271-6349-94AA-FC04077E572C}" type="slidenum">
+              <a:rPr lang="en-US" smtClean="0"/>
+              <a:t>2</a:t>
+            </a:fld>
+            <a:endParaRPr lang="en-US"/>
+          </a:p>
+        </p:txBody>
+      </p:sp>
+    </p:spTree>
+    <p:extLst>
+      <p:ext uri="{BB962C8B-B14F-4D97-AF65-F5344CB8AC3E}">
+        <p14:creationId xmlns:p14="http://schemas.microsoft.com/office/powerpoint/2010/main" val="2653212982"/>
+      </p:ext>
+    </p:extLst>
+  </p:cSld>
+  <p:clrMapOvr>
+    <a:masterClrMapping/>
+  </p:clrMapOvr>
+</p:notes>
 </file>
 
 <file path=ppt/slideLayouts/slideLayout1.xml><?xml version="1.0" encoding="utf-8"?>
@@ -259,7 +701,7 @@
           <a:p>
             <a:fld id="{C3530AA5-9CB1-5549-A73A-9A1AA1197EEF}" type="datetimeFigureOut">
               <a:rPr lang="en-US" smtClean="0"/>
-              <a:t>3/10/22</a:t>
+              <a:t>3/14/22</a:t>
             </a:fld>
             <a:endParaRPr lang="en-US"/>
           </a:p>
@@ -457,7 +899,7 @@
           <a:p>
             <a:fld id="{C3530AA5-9CB1-5549-A73A-9A1AA1197EEF}" type="datetimeFigureOut">
               <a:rPr lang="en-US" smtClean="0"/>
-              <a:t>3/10/22</a:t>
+              <a:t>3/14/22</a:t>
             </a:fld>
             <a:endParaRPr lang="en-US"/>
           </a:p>
@@ -665,7 +1107,7 @@
           <a:p>
             <a:fld id="{C3530AA5-9CB1-5549-A73A-9A1AA1197EEF}" type="datetimeFigureOut">
               <a:rPr lang="en-US" smtClean="0"/>
-              <a:t>3/10/22</a:t>
+              <a:t>3/14/22</a:t>
             </a:fld>
             <a:endParaRPr lang="en-US"/>
           </a:p>
@@ -863,7 +1305,7 @@
           <a:p>
             <a:fld id="{C3530AA5-9CB1-5549-A73A-9A1AA1197EEF}" type="datetimeFigureOut">
               <a:rPr lang="en-US" smtClean="0"/>
-              <a:t>3/10/22</a:t>
+              <a:t>3/14/22</a:t>
             </a:fld>
             <a:endParaRPr lang="en-US"/>
           </a:p>
@@ -1138,7 +1580,7 @@
           <a:p>
             <a:fld id="{C3530AA5-9CB1-5549-A73A-9A1AA1197EEF}" type="datetimeFigureOut">
               <a:rPr lang="en-US" smtClean="0"/>
-              <a:t>3/10/22</a:t>
+              <a:t>3/14/22</a:t>
             </a:fld>
             <a:endParaRPr lang="en-US"/>
           </a:p>
@@ -1403,7 +1845,7 @@
           <a:p>
             <a:fld id="{C3530AA5-9CB1-5549-A73A-9A1AA1197EEF}" type="datetimeFigureOut">
               <a:rPr lang="en-US" smtClean="0"/>
-              <a:t>3/10/22</a:t>
+              <a:t>3/14/22</a:t>
             </a:fld>
             <a:endParaRPr lang="en-US"/>
           </a:p>
@@ -1815,7 +2257,7 @@
           <a:p>
             <a:fld id="{C3530AA5-9CB1-5549-A73A-9A1AA1197EEF}" type="datetimeFigureOut">
               <a:rPr lang="en-US" smtClean="0"/>
-              <a:t>3/10/22</a:t>
+              <a:t>3/14/22</a:t>
             </a:fld>
             <a:endParaRPr lang="en-US"/>
           </a:p>
@@ -1956,7 +2398,7 @@
           <a:p>
             <a:fld id="{C3530AA5-9CB1-5549-A73A-9A1AA1197EEF}" type="datetimeFigureOut">
               <a:rPr lang="en-US" smtClean="0"/>
-              <a:t>3/10/22</a:t>
+              <a:t>3/14/22</a:t>
             </a:fld>
             <a:endParaRPr lang="en-US"/>
           </a:p>
@@ -2069,7 +2511,7 @@
           <a:p>
             <a:fld id="{C3530AA5-9CB1-5549-A73A-9A1AA1197EEF}" type="datetimeFigureOut">
               <a:rPr lang="en-US" smtClean="0"/>
-              <a:t>3/10/22</a:t>
+              <a:t>3/14/22</a:t>
             </a:fld>
             <a:endParaRPr lang="en-US"/>
           </a:p>
@@ -2380,7 +2822,7 @@
           <a:p>
             <a:fld id="{C3530AA5-9CB1-5549-A73A-9A1AA1197EEF}" type="datetimeFigureOut">
               <a:rPr lang="en-US" smtClean="0"/>
-              <a:t>3/10/22</a:t>
+              <a:t>3/14/22</a:t>
             </a:fld>
             <a:endParaRPr lang="en-US"/>
           </a:p>
@@ -2668,7 +3110,7 @@
           <a:p>
             <a:fld id="{C3530AA5-9CB1-5549-A73A-9A1AA1197EEF}" type="datetimeFigureOut">
               <a:rPr lang="en-US" smtClean="0"/>
-              <a:t>3/10/22</a:t>
+              <a:t>3/14/22</a:t>
             </a:fld>
             <a:endParaRPr lang="en-US"/>
           </a:p>
@@ -2909,7 +3351,7 @@
           <a:p>
             <a:fld id="{C3530AA5-9CB1-5549-A73A-9A1AA1197EEF}" type="datetimeFigureOut">
               <a:rPr lang="en-US" smtClean="0"/>
-              <a:t>3/10/22</a:t>
+              <a:t>3/14/22</a:t>
             </a:fld>
             <a:endParaRPr lang="en-US"/>
           </a:p>
@@ -3414,10 +3856,10 @@
       </p:grpSpPr>
       <p:sp>
         <p:nvSpPr>
-          <p:cNvPr id="2" name="Title 1">
-            <a:extLst>
-              <a:ext uri="{FF2B5EF4-FFF2-40B4-BE49-F238E27FC236}">
-                <a16:creationId xmlns:a16="http://schemas.microsoft.com/office/drawing/2014/main" id="{D86D1939-C45F-F449-A9A2-7B384F16F508}"/>
+          <p:cNvPr id="4" name="Title 3">
+            <a:extLst>
+              <a:ext uri="{FF2B5EF4-FFF2-40B4-BE49-F238E27FC236}">
+                <a16:creationId xmlns:a16="http://schemas.microsoft.com/office/drawing/2014/main" id="{EC5C53E4-43A6-4944-9BB5-D20CCECBE783}"/>
               </a:ext>
             </a:extLst>
           </p:cNvPr>
@@ -3434,9 +3876,10 @@
           <a:lstStyle/>
           <a:p>
             <a:r>
-              <a:rPr lang="en-US" dirty="0"/>
-              <a:t>What is the project trying to do?</a:t>
-            </a:r>
+              <a:rPr lang="en-US" b="1" dirty="0"/>
+              <a:t>Proposal Presentation Schedule</a:t>
+            </a:r>
+            <a:endParaRPr lang="en-US" dirty="0"/>
           </a:p>
         </p:txBody>
       </p:sp>
@@ -3445,47 +3888,356 @@
           <p:cNvPr id="3" name="Content Placeholder 2">
             <a:extLst>
               <a:ext uri="{FF2B5EF4-FFF2-40B4-BE49-F238E27FC236}">
-                <a16:creationId xmlns:a16="http://schemas.microsoft.com/office/drawing/2014/main" id="{D4378DCB-87A8-8041-A256-8B5980ECB480}"/>
-              </a:ext>
-            </a:extLst>
-          </p:cNvPr>
-          <p:cNvSpPr>
-            <a:spLocks noGrp="1"/>
-          </p:cNvSpPr>
-          <p:nvPr>
-            <p:ph idx="1"/>
-          </p:nvPr>
-        </p:nvSpPr>
-        <p:spPr/>
-        <p:txBody>
-          <a:bodyPr/>
-          <a:lstStyle/>
-          <a:p>
-            <a:r>
-              <a:rPr lang="en-US" dirty="0"/>
-              <a:t>Examples</a:t>
-            </a:r>
-          </a:p>
-          <a:p>
-            <a:pPr lvl="1"/>
-            <a:r>
-              <a:rPr lang="en-US" dirty="0"/>
-              <a:t>the project is going to survey the latest work on air quality prediction/traffic forecasting/object detection from satellite imagery</a:t>
-            </a:r>
-          </a:p>
-          <a:p>
-            <a:pPr lvl="1"/>
-            <a:r>
-              <a:rPr lang="en-US" dirty="0"/>
-              <a:t>the project is going to build a machine learning method for car detection from satellite imagery</a:t>
-            </a:r>
+                <a16:creationId xmlns:a16="http://schemas.microsoft.com/office/drawing/2014/main" id="{DE262010-11FE-D241-BA74-7F589B28CB43}"/>
+              </a:ext>
+            </a:extLst>
+          </p:cNvPr>
+          <p:cNvSpPr>
+            <a:spLocks noGrp="1"/>
+          </p:cNvSpPr>
+          <p:nvPr>
+            <p:ph sz="half" idx="1"/>
+          </p:nvPr>
+        </p:nvSpPr>
+        <p:spPr/>
+        <p:txBody>
+          <a:bodyPr>
+            <a:normAutofit fontScale="70000" lnSpcReduction="20000"/>
+          </a:bodyPr>
+          <a:lstStyle/>
+          <a:p>
+            <a:r>
+              <a:rPr lang="en-US" dirty="0"/>
+              <a:t>Each team will present for 5 minutes, and we will have additional few minutes for Q and A. We will not record the presentations. Please come to the class to present in person. </a:t>
+            </a:r>
+          </a:p>
+          <a:p>
+            <a:r>
+              <a:rPr lang="en-US" dirty="0"/>
+              <a:t>3/21 </a:t>
+            </a:r>
+            <a:br>
+              <a:rPr lang="en-US" dirty="0"/>
+            </a:br>
+            <a:r>
+              <a:rPr lang="en-US" dirty="0"/>
+              <a:t>1 Tanisha </a:t>
+            </a:r>
+            <a:r>
+              <a:rPr lang="en-US" dirty="0" err="1"/>
+              <a:t>Shrotriya</a:t>
+            </a:r>
+            <a:br>
+              <a:rPr lang="en-US" dirty="0"/>
+            </a:br>
+            <a:r>
+              <a:rPr lang="en-US" dirty="0"/>
+              <a:t>2 </a:t>
+            </a:r>
+            <a:r>
+              <a:rPr lang="en-US" dirty="0" err="1"/>
+              <a:t>Minoh</a:t>
+            </a:r>
+            <a:r>
+              <a:rPr lang="en-US" dirty="0"/>
+              <a:t> </a:t>
+            </a:r>
+            <a:r>
+              <a:rPr lang="en-US" dirty="0" err="1"/>
+              <a:t>Jeong</a:t>
+            </a:r>
+            <a:br>
+              <a:rPr lang="en-US" dirty="0"/>
+            </a:br>
+            <a:r>
+              <a:rPr lang="en-US" dirty="0"/>
+              <a:t>3 Zachary Chavis</a:t>
+            </a:r>
+            <a:br>
+              <a:rPr lang="en-US" dirty="0"/>
+            </a:br>
+            <a:r>
+              <a:rPr lang="en-US" dirty="0"/>
+              <a:t>4 </a:t>
+            </a:r>
+            <a:r>
+              <a:rPr lang="en-US" dirty="0" err="1"/>
+              <a:t>asia</a:t>
+            </a:r>
+            <a:r>
+              <a:rPr lang="en-US" dirty="0"/>
+              <a:t> nor</a:t>
+            </a:r>
+            <a:br>
+              <a:rPr lang="en-US" dirty="0"/>
+            </a:br>
+            <a:r>
+              <a:rPr lang="en-US" dirty="0"/>
+              <a:t>5 </a:t>
+            </a:r>
+            <a:r>
+              <a:rPr lang="en-US" dirty="0" err="1"/>
+              <a:t>Aviral</a:t>
+            </a:r>
+            <a:r>
+              <a:rPr lang="en-US" dirty="0"/>
+              <a:t> Bhatnagar</a:t>
+            </a:r>
+            <a:br>
+              <a:rPr lang="en-US" dirty="0"/>
+            </a:br>
+            <a:r>
+              <a:rPr lang="en-US" dirty="0"/>
+              <a:t>6 Gene(</a:t>
+            </a:r>
+            <a:r>
+              <a:rPr lang="en-US" dirty="0" err="1"/>
+              <a:t>Ziying</a:t>
+            </a:r>
+            <a:r>
+              <a:rPr lang="en-US" dirty="0"/>
+              <a:t>) Cheng</a:t>
+            </a:r>
+            <a:br>
+              <a:rPr lang="en-US" dirty="0"/>
+            </a:br>
+            <a:r>
+              <a:rPr lang="en-US" dirty="0"/>
+              <a:t>7 Min </a:t>
+            </a:r>
+            <a:r>
+              <a:rPr lang="en-US" dirty="0" err="1"/>
+              <a:t>Namgung</a:t>
+            </a:r>
+            <a:br>
+              <a:rPr lang="en-US" dirty="0"/>
+            </a:br>
+            <a:r>
+              <a:rPr lang="en-US" dirty="0"/>
+              <a:t>8 Majid </a:t>
+            </a:r>
+            <a:r>
+              <a:rPr lang="en-US" dirty="0" err="1"/>
+              <a:t>Farhadloo</a:t>
+            </a:r>
+            <a:br>
+              <a:rPr lang="en-US" dirty="0"/>
+            </a:br>
+            <a:r>
+              <a:rPr lang="en-US" dirty="0"/>
+              <a:t>9 Suzie Hoops</a:t>
+            </a:r>
+            <a:br>
+              <a:rPr lang="en-US" dirty="0"/>
+            </a:br>
+            <a:r>
+              <a:rPr lang="en-US" dirty="0"/>
+              <a:t>  Eric </a:t>
+            </a:r>
+            <a:r>
+              <a:rPr lang="en-US" dirty="0" err="1"/>
+              <a:t>Mccalla</a:t>
+            </a:r>
+            <a:br>
+              <a:rPr lang="en-US" dirty="0"/>
+            </a:br>
+            <a:r>
+              <a:rPr lang="en-US" dirty="0"/>
+              <a:t>10 Vishnu Ravichandran</a:t>
+            </a:r>
+            <a:br>
+              <a:rPr lang="en-US" dirty="0"/>
+            </a:br>
+            <a:r>
+              <a:rPr lang="en-US" dirty="0"/>
+              <a:t>   </a:t>
+            </a:r>
+            <a:r>
+              <a:rPr lang="en-US" dirty="0" err="1"/>
+              <a:t>Yashveer</a:t>
+            </a:r>
+            <a:r>
+              <a:rPr lang="en-US" dirty="0"/>
+              <a:t> </a:t>
+            </a:r>
+            <a:r>
+              <a:rPr lang="en-US" dirty="0" err="1"/>
+              <a:t>Bika</a:t>
+            </a:r>
+            <a:endParaRPr lang="en-US" dirty="0"/>
+          </a:p>
+        </p:txBody>
+      </p:sp>
+      <p:sp>
+        <p:nvSpPr>
+          <p:cNvPr id="5" name="Content Placeholder 4">
+            <a:extLst>
+              <a:ext uri="{FF2B5EF4-FFF2-40B4-BE49-F238E27FC236}">
+                <a16:creationId xmlns:a16="http://schemas.microsoft.com/office/drawing/2014/main" id="{A2083D48-047A-2844-8864-B93C8465CAA7}"/>
+              </a:ext>
+            </a:extLst>
+          </p:cNvPr>
+          <p:cNvSpPr>
+            <a:spLocks noGrp="1"/>
+          </p:cNvSpPr>
+          <p:nvPr>
+            <p:ph sz="half" idx="2"/>
+          </p:nvPr>
+        </p:nvSpPr>
+        <p:spPr/>
+        <p:txBody>
+          <a:bodyPr>
+            <a:normAutofit fontScale="70000" lnSpcReduction="20000"/>
+          </a:bodyPr>
+          <a:lstStyle/>
+          <a:p>
+            <a:r>
+              <a:rPr lang="en-US" dirty="0"/>
+              <a:t>3/23</a:t>
+            </a:r>
+            <a:br>
+              <a:rPr lang="en-US" dirty="0"/>
+            </a:br>
+            <a:r>
+              <a:rPr lang="en-US" dirty="0"/>
+              <a:t>11 Riley O'Neill</a:t>
+            </a:r>
+            <a:br>
+              <a:rPr lang="en-US" dirty="0"/>
+            </a:br>
+            <a:r>
+              <a:rPr lang="en-US" dirty="0"/>
+              <a:t>12 He Zhou</a:t>
+            </a:r>
+            <a:br>
+              <a:rPr lang="en-US" dirty="0"/>
+            </a:br>
+            <a:r>
+              <a:rPr lang="en-US" dirty="0"/>
+              <a:t>13 </a:t>
+            </a:r>
+            <a:r>
+              <a:rPr lang="en-US" dirty="0" err="1"/>
+              <a:t>Zishuo</a:t>
+            </a:r>
+            <a:r>
+              <a:rPr lang="en-US" dirty="0"/>
+              <a:t> Li</a:t>
+            </a:r>
+            <a:br>
+              <a:rPr lang="en-US" dirty="0"/>
+            </a:br>
+            <a:r>
+              <a:rPr lang="en-US" dirty="0"/>
+              <a:t>   </a:t>
+            </a:r>
+            <a:r>
+              <a:rPr lang="en-US" dirty="0" err="1"/>
+              <a:t>Yilong</a:t>
+            </a:r>
+            <a:r>
+              <a:rPr lang="en-US" dirty="0"/>
+              <a:t> Wang</a:t>
+            </a:r>
+            <a:br>
+              <a:rPr lang="en-US" dirty="0"/>
+            </a:br>
+            <a:r>
+              <a:rPr lang="en-US" dirty="0"/>
+              <a:t>14 </a:t>
+            </a:r>
+            <a:r>
+              <a:rPr lang="en-US" dirty="0" err="1"/>
+              <a:t>Tianyi</a:t>
+            </a:r>
+            <a:r>
+              <a:rPr lang="en-US" dirty="0"/>
+              <a:t> Li</a:t>
+            </a:r>
+            <a:br>
+              <a:rPr lang="en-US" dirty="0"/>
+            </a:br>
+            <a:r>
+              <a:rPr lang="en-US" dirty="0"/>
+              <a:t>15 </a:t>
+            </a:r>
+            <a:r>
+              <a:rPr lang="en-US" dirty="0" err="1"/>
+              <a:t>Shivam</a:t>
+            </a:r>
+            <a:r>
+              <a:rPr lang="en-US" dirty="0"/>
+              <a:t> Bhandari</a:t>
+            </a:r>
+            <a:br>
+              <a:rPr lang="en-US" dirty="0"/>
+            </a:br>
+            <a:r>
+              <a:rPr lang="en-US" dirty="0"/>
+              <a:t>16 </a:t>
+            </a:r>
+            <a:r>
+              <a:rPr lang="en-US" dirty="0" err="1"/>
+              <a:t>Jina</a:t>
+            </a:r>
+            <a:r>
+              <a:rPr lang="en-US" dirty="0"/>
+              <a:t> Kim</a:t>
+            </a:r>
+            <a:br>
+              <a:rPr lang="en-US" dirty="0"/>
+            </a:br>
+            <a:r>
+              <a:rPr lang="en-US" dirty="0"/>
+              <a:t>17 Bharath </a:t>
+            </a:r>
+            <a:r>
+              <a:rPr lang="en-US" dirty="0" err="1"/>
+              <a:t>Sivaram</a:t>
+            </a:r>
+            <a:br>
+              <a:rPr lang="en-US" dirty="0"/>
+            </a:br>
+            <a:r>
+              <a:rPr lang="en-US" dirty="0"/>
+              <a:t>   Pranav </a:t>
+            </a:r>
+            <a:r>
+              <a:rPr lang="en-US" dirty="0" err="1"/>
+              <a:t>Julakanti</a:t>
+            </a:r>
+            <a:br>
+              <a:rPr lang="en-US" dirty="0"/>
+            </a:br>
+            <a:r>
+              <a:rPr lang="en-US" dirty="0"/>
+              <a:t>18 Roby Thomas</a:t>
+            </a:r>
+            <a:br>
+              <a:rPr lang="en-US" dirty="0"/>
+            </a:br>
+            <a:r>
+              <a:rPr lang="en-US" dirty="0"/>
+              <a:t>19 </a:t>
+            </a:r>
+            <a:r>
+              <a:rPr lang="en-US" dirty="0" err="1"/>
+              <a:t>Madhushan</a:t>
+            </a:r>
+            <a:r>
+              <a:rPr lang="en-US" dirty="0"/>
+              <a:t> Tennakoon</a:t>
+            </a:r>
+          </a:p>
+          <a:p>
+            <a:endParaRPr lang="en-US" dirty="0"/>
           </a:p>
         </p:txBody>
       </p:sp>
     </p:spTree>
     <p:extLst>
       <p:ext uri="{BB962C8B-B14F-4D97-AF65-F5344CB8AC3E}">
-        <p14:creationId xmlns:p14="http://schemas.microsoft.com/office/powerpoint/2010/main" val="1764937879"/>
+        <p14:creationId xmlns:p14="http://schemas.microsoft.com/office/powerpoint/2010/main" val="2466253159"/>
       </p:ext>
     </p:extLst>
   </p:cSld>
@@ -3517,7 +4269,7 @@
           <p:cNvPr id="2" name="Title 1">
             <a:extLst>
               <a:ext uri="{FF2B5EF4-FFF2-40B4-BE49-F238E27FC236}">
-                <a16:creationId xmlns:a16="http://schemas.microsoft.com/office/drawing/2014/main" id="{27D29404-711A-A842-A73D-D825EA552B39}"/>
+                <a16:creationId xmlns:a16="http://schemas.microsoft.com/office/drawing/2014/main" id="{D86D1939-C45F-F449-A9A2-7B384F16F508}"/>
               </a:ext>
             </a:extLst>
           </p:cNvPr>
@@ -3530,16 +4282,13 @@
         </p:nvSpPr>
         <p:spPr/>
         <p:txBody>
-          <a:bodyPr>
-            <a:noAutofit/>
-          </a:bodyPr>
-          <a:lstStyle/>
-          <a:p>
-            <a:r>
-              <a:rPr lang="en-US" dirty="0"/>
-              <a:t>How is it done today, and what are the limits of current practice?</a:t>
-            </a:r>
-            <a:endParaRPr lang="en-US" sz="2800" dirty="0"/>
+          <a:bodyPr/>
+          <a:lstStyle/>
+          <a:p>
+            <a:r>
+              <a:rPr lang="en-US" dirty="0"/>
+              <a:t>What is the project trying to do?</a:t>
+            </a:r>
           </a:p>
         </p:txBody>
       </p:sp>
@@ -3548,7 +4297,7 @@
           <p:cNvPr id="3" name="Content Placeholder 2">
             <a:extLst>
               <a:ext uri="{FF2B5EF4-FFF2-40B4-BE49-F238E27FC236}">
-                <a16:creationId xmlns:a16="http://schemas.microsoft.com/office/drawing/2014/main" id="{5EB1E1DF-6548-9E40-BA87-4B04556DE5EF}"/>
+                <a16:creationId xmlns:a16="http://schemas.microsoft.com/office/drawing/2014/main" id="{D4378DCB-87A8-8041-A256-8B5980ECB480}"/>
               </a:ext>
             </a:extLst>
           </p:cNvPr>
@@ -3566,12 +4315,6 @@
           <a:p>
             <a:r>
               <a:rPr lang="en-US" dirty="0"/>
-              <a:t>Here you need to provide a brief explanation to motivate the project</a:t>
-            </a:r>
-          </a:p>
-          <a:p>
-            <a:r>
-              <a:rPr lang="en-US" dirty="0"/>
               <a:t>Examples</a:t>
             </a:r>
           </a:p>
@@ -3579,28 +4322,14 @@
             <a:pPr lvl="1"/>
             <a:r>
               <a:rPr lang="en-US" dirty="0"/>
-              <a:t>Car detection from satellite imagery often does not take into consideration the total number of possible cars in the region. </a:t>
-            </a:r>
-          </a:p>
-          <a:p>
-            <a:pPr lvl="2"/>
-            <a:r>
-              <a:rPr lang="en-US" dirty="0"/>
-              <a:t>Briefly about the existing work and their limitation here</a:t>
+              <a:t>the project is going to survey the latest work on air quality prediction/traffic forecasting/object detection from satellite imagery</a:t>
             </a:r>
           </a:p>
           <a:p>
             <a:pPr lvl="1"/>
             <a:r>
               <a:rPr lang="en-US" dirty="0"/>
-              <a:t>If the project is about a survey of existing approaches for e.g., air quality prediction/traffic forecasting/object detection, discuss the latest survey you can find and the approaches this final project is going to test </a:t>
-            </a:r>
-          </a:p>
-          <a:p>
-            <a:pPr lvl="2"/>
-            <a:r>
-              <a:rPr lang="en-US" dirty="0"/>
-              <a:t>(one approach for a single member team and one additional approaches when adding one more member to the team, e.g., a 2 persons team needs to implement and compare two approaches</a:t>
+              <a:t>the project is going to build a machine learning method for car detection from satellite imagery</a:t>
             </a:r>
           </a:p>
         </p:txBody>
@@ -3608,7 +4337,7 @@
     </p:spTree>
     <p:extLst>
       <p:ext uri="{BB962C8B-B14F-4D97-AF65-F5344CB8AC3E}">
-        <p14:creationId xmlns:p14="http://schemas.microsoft.com/office/powerpoint/2010/main" val="972393907"/>
+        <p14:creationId xmlns:p14="http://schemas.microsoft.com/office/powerpoint/2010/main" val="1764937879"/>
       </p:ext>
     </p:extLst>
   </p:cSld>
@@ -3640,7 +4369,7 @@
           <p:cNvPr id="2" name="Title 1">
             <a:extLst>
               <a:ext uri="{FF2B5EF4-FFF2-40B4-BE49-F238E27FC236}">
-                <a16:creationId xmlns:a16="http://schemas.microsoft.com/office/drawing/2014/main" id="{49236B64-22F4-974A-9E8C-A501705EECF8}"/>
+                <a16:creationId xmlns:a16="http://schemas.microsoft.com/office/drawing/2014/main" id="{27D29404-711A-A842-A73D-D825EA552B39}"/>
               </a:ext>
             </a:extLst>
           </p:cNvPr>
@@ -3659,10 +4388,10 @@
           <a:lstStyle/>
           <a:p>
             <a:r>
-              <a:rPr lang="en-US" sz="4000" dirty="0"/>
-              <a:t>What is your approach, and what is new in your approach?</a:t>
-            </a:r>
-            <a:endParaRPr lang="en-US" sz="2000" dirty="0"/>
+              <a:rPr lang="en-US" dirty="0"/>
+              <a:t>How is it done today, and what are the limits of current practice?</a:t>
+            </a:r>
+            <a:endParaRPr lang="en-US" sz="2800" dirty="0"/>
           </a:p>
         </p:txBody>
       </p:sp>
@@ -3671,7 +4400,7 @@
           <p:cNvPr id="3" name="Content Placeholder 2">
             <a:extLst>
               <a:ext uri="{FF2B5EF4-FFF2-40B4-BE49-F238E27FC236}">
-                <a16:creationId xmlns:a16="http://schemas.microsoft.com/office/drawing/2014/main" id="{EC5CAD45-949A-124D-BF25-25D1E6D99F83}"/>
+                <a16:creationId xmlns:a16="http://schemas.microsoft.com/office/drawing/2014/main" id="{5EB1E1DF-6548-9E40-BA87-4B04556DE5EF}"/>
               </a:ext>
             </a:extLst>
           </p:cNvPr>
@@ -3689,24 +4418,49 @@
           <a:p>
             <a:r>
               <a:rPr lang="en-US" dirty="0"/>
-              <a:t>The project will use the knowledge of the total number of possible cars to help detect cars from satellite imagery in a robust way.</a:t>
-            </a:r>
-          </a:p>
-          <a:p>
-            <a:r>
-              <a:rPr lang="en-US" dirty="0"/>
-              <a:t>The project will implement/evaluate/compare the following approaches for e.g., air quality prediction/traffic forecasting/object detection</a:t>
-            </a:r>
-          </a:p>
-          <a:p>
-            <a:endParaRPr lang="en-US" dirty="0"/>
+              <a:t>Here you need to provide a brief explanation to motivate the project</a:t>
+            </a:r>
+          </a:p>
+          <a:p>
+            <a:r>
+              <a:rPr lang="en-US" dirty="0"/>
+              <a:t>Examples</a:t>
+            </a:r>
+          </a:p>
+          <a:p>
+            <a:pPr lvl="1"/>
+            <a:r>
+              <a:rPr lang="en-US" dirty="0"/>
+              <a:t>Car detection from satellite imagery often does not take into consideration the total number of possible cars in the region. </a:t>
+            </a:r>
+          </a:p>
+          <a:p>
+            <a:pPr lvl="2"/>
+            <a:r>
+              <a:rPr lang="en-US" dirty="0"/>
+              <a:t>Briefly about the existing work and their limitation here</a:t>
+            </a:r>
+          </a:p>
+          <a:p>
+            <a:pPr lvl="1"/>
+            <a:r>
+              <a:rPr lang="en-US" dirty="0"/>
+              <a:t>If the project is about a survey of existing approaches for e.g., air quality prediction/traffic forecasting/object detection, discuss the latest survey you can find and the approaches this final project is going to test </a:t>
+            </a:r>
+          </a:p>
+          <a:p>
+            <a:pPr lvl="2"/>
+            <a:r>
+              <a:rPr lang="en-US" dirty="0"/>
+              <a:t>(one approach for a single member team and one additional approaches when adding one more member to the team, e.g., a 2 persons team needs to implement and compare two approaches</a:t>
+            </a:r>
           </a:p>
         </p:txBody>
       </p:sp>
     </p:spTree>
     <p:extLst>
       <p:ext uri="{BB962C8B-B14F-4D97-AF65-F5344CB8AC3E}">
-        <p14:creationId xmlns:p14="http://schemas.microsoft.com/office/powerpoint/2010/main" val="3297426941"/>
+        <p14:creationId xmlns:p14="http://schemas.microsoft.com/office/powerpoint/2010/main" val="972393907"/>
       </p:ext>
     </p:extLst>
   </p:cSld>
@@ -3738,6 +4492,104 @@
           <p:cNvPr id="2" name="Title 1">
             <a:extLst>
               <a:ext uri="{FF2B5EF4-FFF2-40B4-BE49-F238E27FC236}">
+                <a16:creationId xmlns:a16="http://schemas.microsoft.com/office/drawing/2014/main" id="{49236B64-22F4-974A-9E8C-A501705EECF8}"/>
+              </a:ext>
+            </a:extLst>
+          </p:cNvPr>
+          <p:cNvSpPr>
+            <a:spLocks noGrp="1"/>
+          </p:cNvSpPr>
+          <p:nvPr>
+            <p:ph type="title"/>
+          </p:nvPr>
+        </p:nvSpPr>
+        <p:spPr/>
+        <p:txBody>
+          <a:bodyPr>
+            <a:noAutofit/>
+          </a:bodyPr>
+          <a:lstStyle/>
+          <a:p>
+            <a:r>
+              <a:rPr lang="en-US" sz="4000" dirty="0"/>
+              <a:t>What is your approach, and what is new in your approach?</a:t>
+            </a:r>
+            <a:endParaRPr lang="en-US" sz="2000" dirty="0"/>
+          </a:p>
+        </p:txBody>
+      </p:sp>
+      <p:sp>
+        <p:nvSpPr>
+          <p:cNvPr id="3" name="Content Placeholder 2">
+            <a:extLst>
+              <a:ext uri="{FF2B5EF4-FFF2-40B4-BE49-F238E27FC236}">
+                <a16:creationId xmlns:a16="http://schemas.microsoft.com/office/drawing/2014/main" id="{EC5CAD45-949A-124D-BF25-25D1E6D99F83}"/>
+              </a:ext>
+            </a:extLst>
+          </p:cNvPr>
+          <p:cNvSpPr>
+            <a:spLocks noGrp="1"/>
+          </p:cNvSpPr>
+          <p:nvPr>
+            <p:ph idx="1"/>
+          </p:nvPr>
+        </p:nvSpPr>
+        <p:spPr/>
+        <p:txBody>
+          <a:bodyPr/>
+          <a:lstStyle/>
+          <a:p>
+            <a:r>
+              <a:rPr lang="en-US" dirty="0"/>
+              <a:t>The project will use the knowledge of the total number of possible cars to help detect cars from satellite imagery in a robust way.</a:t>
+            </a:r>
+          </a:p>
+          <a:p>
+            <a:r>
+              <a:rPr lang="en-US" dirty="0"/>
+              <a:t>The project will implement/evaluate/compare the following approaches for e.g., air quality prediction/traffic forecasting/object detection</a:t>
+            </a:r>
+          </a:p>
+          <a:p>
+            <a:endParaRPr lang="en-US" dirty="0"/>
+          </a:p>
+        </p:txBody>
+      </p:sp>
+    </p:spTree>
+    <p:extLst>
+      <p:ext uri="{BB962C8B-B14F-4D97-AF65-F5344CB8AC3E}">
+        <p14:creationId xmlns:p14="http://schemas.microsoft.com/office/powerpoint/2010/main" val="3297426941"/>
+      </p:ext>
+    </p:extLst>
+  </p:cSld>
+  <p:clrMapOvr>
+    <a:masterClrMapping/>
+  </p:clrMapOvr>
+</p:sld>
+</file>
+
+<file path=ppt/slides/slide6.xml><?xml version="1.0" encoding="utf-8"?>
+<p:sld xmlns:a="http://schemas.openxmlformats.org/drawingml/2006/main" xmlns:r="http://schemas.openxmlformats.org/officeDocument/2006/relationships" xmlns:p="http://schemas.openxmlformats.org/presentationml/2006/main">
+  <p:cSld>
+    <p:spTree>
+      <p:nvGrpSpPr>
+        <p:cNvPr id="1" name=""/>
+        <p:cNvGrpSpPr/>
+        <p:nvPr/>
+      </p:nvGrpSpPr>
+      <p:grpSpPr>
+        <a:xfrm>
+          <a:off x="0" y="0"/>
+          <a:ext cx="0" cy="0"/>
+          <a:chOff x="0" y="0"/>
+          <a:chExt cx="0" cy="0"/>
+        </a:xfrm>
+      </p:grpSpPr>
+      <p:sp>
+        <p:nvSpPr>
+          <p:cNvPr id="2" name="Title 1">
+            <a:extLst>
+              <a:ext uri="{FF2B5EF4-FFF2-40B4-BE49-F238E27FC236}">
                 <a16:creationId xmlns:a16="http://schemas.microsoft.com/office/drawing/2014/main" id="{BCA960CB-759F-254F-8B5D-011A88120863}"/>
               </a:ext>
             </a:extLst>
@@ -3805,7 +4657,7 @@
 </p:sld>
 </file>
 
-<file path=ppt/slides/slide6.xml><?xml version="1.0" encoding="utf-8"?>
+<file path=ppt/slides/slide7.xml><?xml version="1.0" encoding="utf-8"?>
 <p:sld xmlns:a="http://schemas.openxmlformats.org/drawingml/2006/main" xmlns:r="http://schemas.openxmlformats.org/officeDocument/2006/relationships" xmlns:p="http://schemas.openxmlformats.org/presentationml/2006/main">
   <p:cSld>
     <p:spTree>
@@ -4217,4 +5069,299 @@
     </a:ext>
   </a:extLst>
 </a:theme>
+</file>
+
+<file path=ppt/theme/theme2.xml><?xml version="1.0" encoding="utf-8"?>
+<a:theme xmlns:a="http://schemas.openxmlformats.org/drawingml/2006/main" name="Office Theme">
+  <a:themeElements>
+    <a:clrScheme name="Office">
+      <a:dk1>
+        <a:sysClr val="windowText" lastClr="000000"/>
+      </a:dk1>
+      <a:lt1>
+        <a:sysClr val="window" lastClr="FFFFFF"/>
+      </a:lt1>
+      <a:dk2>
+        <a:srgbClr val="44546A"/>
+      </a:dk2>
+      <a:lt2>
+        <a:srgbClr val="E7E6E6"/>
+      </a:lt2>
+      <a:accent1>
+        <a:srgbClr val="4472C4"/>
+      </a:accent1>
+      <a:accent2>
+        <a:srgbClr val="ED7D31"/>
+      </a:accent2>
+      <a:accent3>
+        <a:srgbClr val="A5A5A5"/>
+      </a:accent3>
+      <a:accent4>
+        <a:srgbClr val="FFC000"/>
+      </a:accent4>
+      <a:accent5>
+        <a:srgbClr val="5B9BD5"/>
+      </a:accent5>
+      <a:accent6>
+        <a:srgbClr val="70AD47"/>
+      </a:accent6>
+      <a:hlink>
+        <a:srgbClr val="0563C1"/>
+      </a:hlink>
+      <a:folHlink>
+        <a:srgbClr val="954F72"/>
+      </a:folHlink>
+    </a:clrScheme>
+    <a:fontScheme name="Office">
+      <a:majorFont>
+        <a:latin typeface="Calibri Light" panose="020F0302020204030204"/>
+        <a:ea typeface=""/>
+        <a:cs typeface=""/>
+        <a:font script="Jpan" typeface="游ゴシック Light"/>
+        <a:font script="Hang" typeface="맑은 고딕"/>
+        <a:font script="Hans" typeface="等线 Light"/>
+        <a:font script="Hant" typeface="新細明體"/>
+        <a:font script="Arab" typeface="Times New Roman"/>
+        <a:font script="Hebr" typeface="Times New Roman"/>
+        <a:font script="Thai" typeface="Angsana New"/>
+        <a:font script="Ethi" typeface="Nyala"/>
+        <a:font script="Beng" typeface="Vrinda"/>
+        <a:font script="Gujr" typeface="Shruti"/>
+        <a:font script="Khmr" typeface="MoolBoran"/>
+        <a:font script="Knda" typeface="Tunga"/>
+        <a:font script="Guru" typeface="Raavi"/>
+        <a:font script="Cans" typeface="Euphemia"/>
+        <a:font script="Cher" typeface="Plantagenet Cherokee"/>
+        <a:font script="Yiii" typeface="Microsoft Yi Baiti"/>
+        <a:font script="Tibt" typeface="Microsoft Himalaya"/>
+        <a:font script="Thaa" typeface="MV Boli"/>
+        <a:font script="Deva" typeface="Mangal"/>
+        <a:font script="Telu" typeface="Gautami"/>
+        <a:font script="Taml" typeface="Latha"/>
+        <a:font script="Syrc" typeface="Estrangelo Edessa"/>
+        <a:font script="Orya" typeface="Kalinga"/>
+        <a:font script="Mlym" typeface="Kartika"/>
+        <a:font script="Laoo" typeface="DokChampa"/>
+        <a:font script="Sinh" typeface="Iskoola Pota"/>
+        <a:font script="Mong" typeface="Mongolian Baiti"/>
+        <a:font script="Viet" typeface="Times New Roman"/>
+        <a:font script="Uigh" typeface="Microsoft Uighur"/>
+        <a:font script="Geor" typeface="Sylfaen"/>
+        <a:font script="Armn" typeface="Arial"/>
+        <a:font script="Bugi" typeface="Leelawadee UI"/>
+        <a:font script="Bopo" typeface="Microsoft JhengHei"/>
+        <a:font script="Java" typeface="Javanese Text"/>
+        <a:font script="Lisu" typeface="Segoe UI"/>
+        <a:font script="Mymr" typeface="Myanmar Text"/>
+        <a:font script="Nkoo" typeface="Ebrima"/>
+        <a:font script="Olck" typeface="Nirmala UI"/>
+        <a:font script="Osma" typeface="Ebrima"/>
+        <a:font script="Phag" typeface="Phagspa"/>
+        <a:font script="Syrn" typeface="Estrangelo Edessa"/>
+        <a:font script="Syrj" typeface="Estrangelo Edessa"/>
+        <a:font script="Syre" typeface="Estrangelo Edessa"/>
+        <a:font script="Sora" typeface="Nirmala UI"/>
+        <a:font script="Tale" typeface="Microsoft Tai Le"/>
+        <a:font script="Talu" typeface="Microsoft New Tai Lue"/>
+        <a:font script="Tfng" typeface="Ebrima"/>
+      </a:majorFont>
+      <a:minorFont>
+        <a:latin typeface="Calibri" panose="020F0502020204030204"/>
+        <a:ea typeface=""/>
+        <a:cs typeface=""/>
+        <a:font script="Jpan" typeface="游ゴシック"/>
+        <a:font script="Hang" typeface="맑은 고딕"/>
+        <a:font script="Hans" typeface="等线"/>
+        <a:font script="Hant" typeface="新細明體"/>
+        <a:font script="Arab" typeface="Arial"/>
+        <a:font script="Hebr" typeface="Arial"/>
+        <a:font script="Thai" typeface="Cordia New"/>
+        <a:font script="Ethi" typeface="Nyala"/>
+        <a:font script="Beng" typeface="Vrinda"/>
+        <a:font script="Gujr" typeface="Shruti"/>
+        <a:font script="Khmr" typeface="DaunPenh"/>
+        <a:font script="Knda" typeface="Tunga"/>
+        <a:font script="Guru" typeface="Raavi"/>
+        <a:font script="Cans" typeface="Euphemia"/>
+        <a:font script="Cher" typeface="Plantagenet Cherokee"/>
+        <a:font script="Yiii" typeface="Microsoft Yi Baiti"/>
+        <a:font script="Tibt" typeface="Microsoft Himalaya"/>
+        <a:font script="Thaa" typeface="MV Boli"/>
+        <a:font script="Deva" typeface="Mangal"/>
+        <a:font script="Telu" typeface="Gautami"/>
+        <a:font script="Taml" typeface="Latha"/>
+        <a:font script="Syrc" typeface="Estrangelo Edessa"/>
+        <a:font script="Orya" typeface="Kalinga"/>
+        <a:font script="Mlym" typeface="Kartika"/>
+        <a:font script="Laoo" typeface="DokChampa"/>
+        <a:font script="Sinh" typeface="Iskoola Pota"/>
+        <a:font script="Mong" typeface="Mongolian Baiti"/>
+        <a:font script="Viet" typeface="Arial"/>
+        <a:font script="Uigh" typeface="Microsoft Uighur"/>
+        <a:font script="Geor" typeface="Sylfaen"/>
+        <a:font script="Armn" typeface="Arial"/>
+        <a:font script="Bugi" typeface="Leelawadee UI"/>
+        <a:font script="Bopo" typeface="Microsoft JhengHei"/>
+        <a:font script="Java" typeface="Javanese Text"/>
+        <a:font script="Lisu" typeface="Segoe UI"/>
+        <a:font script="Mymr" typeface="Myanmar Text"/>
+        <a:font script="Nkoo" typeface="Ebrima"/>
+        <a:font script="Olck" typeface="Nirmala UI"/>
+        <a:font script="Osma" typeface="Ebrima"/>
+        <a:font script="Phag" typeface="Phagspa"/>
+        <a:font script="Syrn" typeface="Estrangelo Edessa"/>
+        <a:font script="Syrj" typeface="Estrangelo Edessa"/>
+        <a:font script="Syre" typeface="Estrangelo Edessa"/>
+        <a:font script="Sora" typeface="Nirmala UI"/>
+        <a:font script="Tale" typeface="Microsoft Tai Le"/>
+        <a:font script="Talu" typeface="Microsoft New Tai Lue"/>
+        <a:font script="Tfng" typeface="Ebrima"/>
+      </a:minorFont>
+    </a:fontScheme>
+    <a:fmtScheme name="Office">
+      <a:fillStyleLst>
+        <a:solidFill>
+          <a:schemeClr val="phClr"/>
+        </a:solidFill>
+        <a:gradFill rotWithShape="1">
+          <a:gsLst>
+            <a:gs pos="0">
+              <a:schemeClr val="phClr">
+                <a:lumMod val="110000"/>
+                <a:satMod val="105000"/>
+                <a:tint val="67000"/>
+              </a:schemeClr>
+            </a:gs>
+            <a:gs pos="50000">
+              <a:schemeClr val="phClr">
+                <a:lumMod val="105000"/>
+                <a:satMod val="103000"/>
+                <a:tint val="73000"/>
+              </a:schemeClr>
+            </a:gs>
+            <a:gs pos="100000">
+              <a:schemeClr val="phClr">
+                <a:lumMod val="105000"/>
+                <a:satMod val="109000"/>
+                <a:tint val="81000"/>
+              </a:schemeClr>
+            </a:gs>
+          </a:gsLst>
+          <a:lin ang="5400000" scaled="0"/>
+        </a:gradFill>
+        <a:gradFill rotWithShape="1">
+          <a:gsLst>
+            <a:gs pos="0">
+              <a:schemeClr val="phClr">
+                <a:satMod val="103000"/>
+                <a:lumMod val="102000"/>
+                <a:tint val="94000"/>
+              </a:schemeClr>
+            </a:gs>
+            <a:gs pos="50000">
+              <a:schemeClr val="phClr">
+                <a:satMod val="110000"/>
+                <a:lumMod val="100000"/>
+                <a:shade val="100000"/>
+              </a:schemeClr>
+            </a:gs>
+            <a:gs pos="100000">
+              <a:schemeClr val="phClr">
+                <a:lumMod val="99000"/>
+                <a:satMod val="120000"/>
+                <a:shade val="78000"/>
+              </a:schemeClr>
+            </a:gs>
+          </a:gsLst>
+          <a:lin ang="5400000" scaled="0"/>
+        </a:gradFill>
+      </a:fillStyleLst>
+      <a:lnStyleLst>
+        <a:ln w="6350" cap="flat" cmpd="sng" algn="ctr">
+          <a:solidFill>
+            <a:schemeClr val="phClr"/>
+          </a:solidFill>
+          <a:prstDash val="solid"/>
+          <a:miter lim="800000"/>
+        </a:ln>
+        <a:ln w="12700" cap="flat" cmpd="sng" algn="ctr">
+          <a:solidFill>
+            <a:schemeClr val="phClr"/>
+          </a:solidFill>
+          <a:prstDash val="solid"/>
+          <a:miter lim="800000"/>
+        </a:ln>
+        <a:ln w="19050" cap="flat" cmpd="sng" algn="ctr">
+          <a:solidFill>
+            <a:schemeClr val="phClr"/>
+          </a:solidFill>
+          <a:prstDash val="solid"/>
+          <a:miter lim="800000"/>
+        </a:ln>
+      </a:lnStyleLst>
+      <a:effectStyleLst>
+        <a:effectStyle>
+          <a:effectLst/>
+        </a:effectStyle>
+        <a:effectStyle>
+          <a:effectLst/>
+        </a:effectStyle>
+        <a:effectStyle>
+          <a:effectLst>
+            <a:outerShdw blurRad="57150" dist="19050" dir="5400000" algn="ctr" rotWithShape="0">
+              <a:srgbClr val="000000">
+                <a:alpha val="63000"/>
+              </a:srgbClr>
+            </a:outerShdw>
+          </a:effectLst>
+        </a:effectStyle>
+      </a:effectStyleLst>
+      <a:bgFillStyleLst>
+        <a:solidFill>
+          <a:schemeClr val="phClr"/>
+        </a:solidFill>
+        <a:solidFill>
+          <a:schemeClr val="phClr">
+            <a:tint val="95000"/>
+            <a:satMod val="170000"/>
+          </a:schemeClr>
+        </a:solidFill>
+        <a:gradFill rotWithShape="1">
+          <a:gsLst>
+            <a:gs pos="0">
+              <a:schemeClr val="phClr">
+                <a:tint val="93000"/>
+                <a:satMod val="150000"/>
+                <a:shade val="98000"/>
+                <a:lumMod val="102000"/>
+              </a:schemeClr>
+            </a:gs>
+            <a:gs pos="50000">
+              <a:schemeClr val="phClr">
+                <a:tint val="98000"/>
+                <a:satMod val="130000"/>
+                <a:shade val="90000"/>
+                <a:lumMod val="103000"/>
+              </a:schemeClr>
+            </a:gs>
+            <a:gs pos="100000">
+              <a:schemeClr val="phClr">
+                <a:shade val="63000"/>
+                <a:satMod val="120000"/>
+              </a:schemeClr>
+            </a:gs>
+          </a:gsLst>
+          <a:lin ang="5400000" scaled="0"/>
+        </a:gradFill>
+      </a:bgFillStyleLst>
+    </a:fmtScheme>
+  </a:themeElements>
+  <a:objectDefaults/>
+  <a:extraClrSchemeLst/>
+  <a:extLst>
+    <a:ext uri="{05A4C25C-085E-4340-85A3-A5531E510DB2}">
+      <thm15:themeFamily xmlns:thm15="http://schemas.microsoft.com/office/thememl/2012/main" name="Office Theme" id="{62F939B6-93AF-4DB8-9C6B-D6C7DFDC589F}" vid="{4A3C46E8-61CC-4603-A589-7422A47A8E4A}"/>
+    </a:ext>
+  </a:extLst>
+</a:theme>
 </file>